--- a/Capstone_Project_Template 1.pptx
+++ b/Capstone_Project_Template 1.pptx
@@ -2985,7 +2985,7 @@
           <a:p>
             <a:fld id="{4DE8089E-5BFA-40F0-B876-ADFE03496B7F}" type="datetimeFigureOut">
               <a:rPr lang="en-IN" smtClean="0"/>
-              <a:t>11-02-2026</a:t>
+              <a:t>12-02-2026</a:t>
             </a:fld>
             <a:endParaRPr lang="en-IN"/>
           </a:p>
@@ -5082,7 +5082,7 @@
         <p:spPr>
           <a:xfrm>
             <a:off x="202071" y="972537"/>
-            <a:ext cx="11271891" cy="3416320"/>
+            <a:ext cx="11271891" cy="3908762"/>
           </a:xfrm>
           <a:prstGeom prst="rect">
             <a:avLst/>
@@ -5167,6 +5167,16 @@
               <a:rPr lang="en-US" sz="1600" dirty="0"/>
               <a:t>Deploy as a multi-user web service with role-based acc</a:t>
             </a:r>
+          </a:p>
+          <a:p>
+            <a:endParaRPr lang="en-US" sz="1600" dirty="0"/>
+          </a:p>
+          <a:p>
+            <a:r>
+              <a:rPr lang="en-US" sz="1800" b="1" dirty="0"/>
+              <a:t>GitHub Link : https://github.com/heer-2610/climate-data-analysis-.git</a:t>
+            </a:r>
+            <a:endParaRPr lang="en-US" sz="1600" b="1" dirty="0"/>
           </a:p>
         </p:txBody>
       </p:sp>
@@ -7939,15 +7949,6 @@
 </file>
 
 <file path=customXml/item1.xml><?xml version="1.0" encoding="utf-8"?>
-<?mso-contentType ?>
-<FormTemplates xmlns="http://schemas.microsoft.com/sharepoint/v3/contenttype/forms">
-  <Display>DocumentLibraryForm</Display>
-  <Edit>DocumentLibraryForm</Edit>
-  <New>DocumentLibraryForm</New>
-</FormTemplates>
-</file>
-
-<file path=customXml/item2.xml><?xml version="1.0" encoding="utf-8"?>
 <ct:contentTypeSchema xmlns:ct="http://schemas.microsoft.com/office/2006/metadata/contentType" xmlns:ma="http://schemas.microsoft.com/office/2006/metadata/properties/metaAttributes" ct:_="" ma:_="" ma:contentTypeName="Document" ma:contentTypeID="0x0101000F1872188ABCFC48BECA6C87E8AC3285" ma:contentTypeVersion="15" ma:contentTypeDescription="Create a new document." ma:contentTypeScope="" ma:versionID="7670618c03e54fbae4a17ecb2d0ed10f">
   <xsd:schema xmlns:xsd="http://www.w3.org/2001/XMLSchema" xmlns:xs="http://www.w3.org/2001/XMLSchema" xmlns:p="http://schemas.microsoft.com/office/2006/metadata/properties" xmlns:ns3="9162bd5b-4ed9-4da3-b376-05204580ba3f" xmlns:ns4="c0fa2617-96bd-425d-8578-e93563fe37c5" targetNamespace="http://schemas.microsoft.com/office/2006/metadata/properties" ma:root="true" ma:fieldsID="3d63de1c5a217044e31e0c8b260d3d71" ns3:_="" ns4:_="">
     <xsd:import namespace="9162bd5b-4ed9-4da3-b376-05204580ba3f"/>
@@ -8182,6 +8183,15 @@
 </ct:contentTypeSchema>
 </file>
 
+<file path=customXml/item2.xml><?xml version="1.0" encoding="utf-8"?>
+<?mso-contentType ?>
+<FormTemplates xmlns="http://schemas.microsoft.com/sharepoint/v3/contenttype/forms">
+  <Display>DocumentLibraryForm</Display>
+  <Edit>DocumentLibraryForm</Edit>
+  <New>DocumentLibraryForm</New>
+</FormTemplates>
+</file>
+
 <file path=customXml/item3.xml><?xml version="1.0" encoding="utf-8"?>
 <p:properties xmlns:p="http://schemas.microsoft.com/office/2006/metadata/properties" xmlns:xsi="http://www.w3.org/2001/XMLSchema-instance" xmlns:pc="http://schemas.microsoft.com/office/infopath/2007/PartnerControls">
   <documentManagement>
@@ -8191,13 +8201,13 @@
 </file>
 
 <file path=customXml/itemProps1.xml><?xml version="1.0" encoding="utf-8"?>
-<ds:datastoreItem xmlns:ds="http://schemas.openxmlformats.org/officeDocument/2006/customXml" ds:itemID="{3706AB80-2608-47D7-8AC8-FA6BC8A9B27C}">
+<ds:datastoreItem xmlns:ds="http://schemas.openxmlformats.org/officeDocument/2006/customXml" ds:itemID="{7D9E5D5E-A365-4A49-8140-C8CC82A61608}">
   <ds:schemaRefs/>
 </ds:datastoreItem>
 </file>
 
 <file path=customXml/itemProps2.xml><?xml version="1.0" encoding="utf-8"?>
-<ds:datastoreItem xmlns:ds="http://schemas.openxmlformats.org/officeDocument/2006/customXml" ds:itemID="{7D9E5D5E-A365-4A49-8140-C8CC82A61608}">
+<ds:datastoreItem xmlns:ds="http://schemas.openxmlformats.org/officeDocument/2006/customXml" ds:itemID="{3706AB80-2608-47D7-8AC8-FA6BC8A9B27C}">
   <ds:schemaRefs/>
 </ds:datastoreItem>
 </file>
